--- a/ppt 16-9/1146.甘美天家.pptx
+++ b/ppt 16-9/1146.甘美天家.pptx
@@ -5,7 +5,7 @@
     <p:sldMasterId id="2147483648" r:id="rId1"/>
   </p:sldMasterIdLst>
   <p:sldIdLst>
-    <p:sldId id="639" r:id="rId2"/>
+    <p:sldId id="640" r:id="rId2"/>
   </p:sldIdLst>
   <p:sldSz cx="12192000" cy="6858000"/>
   <p:notesSz cx="6858000" cy="9144000"/>
@@ -129,7 +129,7 @@
           <p:cNvPr id="2" name="标题 1">
             <a:extLst>
               <a:ext uri="{FF2B5EF4-FFF2-40B4-BE49-F238E27FC236}">
-                <a16:creationId xmlns:a16="http://schemas.microsoft.com/office/drawing/2014/main" id="{2A11DCDB-D1B7-99C3-51C2-3E7FFCE2AE86}"/>
+                <a16:creationId xmlns:a16="http://schemas.microsoft.com/office/drawing/2014/main" id="{E24FC749-84DE-827D-B403-B518AD947ABB}"/>
               </a:ext>
             </a:extLst>
           </p:cNvPr>
@@ -166,7 +166,7 @@
           <p:cNvPr id="3" name="副标题 2">
             <a:extLst>
               <a:ext uri="{FF2B5EF4-FFF2-40B4-BE49-F238E27FC236}">
-                <a16:creationId xmlns:a16="http://schemas.microsoft.com/office/drawing/2014/main" id="{67DE11BE-8A89-9708-562A-199A4A1CB4AE}"/>
+                <a16:creationId xmlns:a16="http://schemas.microsoft.com/office/drawing/2014/main" id="{B14018DF-EB19-0091-BFEE-8129DF4A677D}"/>
               </a:ext>
             </a:extLst>
           </p:cNvPr>
@@ -236,7 +236,7 @@
           <p:cNvPr id="4" name="日期占位符 3">
             <a:extLst>
               <a:ext uri="{FF2B5EF4-FFF2-40B4-BE49-F238E27FC236}">
-                <a16:creationId xmlns:a16="http://schemas.microsoft.com/office/drawing/2014/main" id="{5E58221D-0B2A-6DDB-1DE3-A48D9E2DBB46}"/>
+                <a16:creationId xmlns:a16="http://schemas.microsoft.com/office/drawing/2014/main" id="{AA40DF16-0EA5-6E8B-A60D-409249CEB06B}"/>
               </a:ext>
             </a:extLst>
           </p:cNvPr>
@@ -252,7 +252,7 @@
           <a:bodyPr/>
           <a:lstStyle/>
           <a:p>
-            <a:fld id="{FE41EF64-9F44-4F4C-938D-C8D1D8B597C4}" type="datetimeFigureOut">
+            <a:fld id="{A374920B-620D-4FC6-89E7-FA0B3A0AC106}" type="datetimeFigureOut">
               <a:rPr lang="zh-CN" altLang="en-US" smtClean="0"/>
               <a:t>2024/3/10</a:t>
             </a:fld>
@@ -265,7 +265,7 @@
           <p:cNvPr id="5" name="页脚占位符 4">
             <a:extLst>
               <a:ext uri="{FF2B5EF4-FFF2-40B4-BE49-F238E27FC236}">
-                <a16:creationId xmlns:a16="http://schemas.microsoft.com/office/drawing/2014/main" id="{CBFE025B-A9F0-B08F-867B-750289F999FC}"/>
+                <a16:creationId xmlns:a16="http://schemas.microsoft.com/office/drawing/2014/main" id="{EB4E4BD1-D5E7-D193-C5A2-D896FDC8DF8F}"/>
               </a:ext>
             </a:extLst>
           </p:cNvPr>
@@ -290,7 +290,7 @@
           <p:cNvPr id="6" name="灯片编号占位符 5">
             <a:extLst>
               <a:ext uri="{FF2B5EF4-FFF2-40B4-BE49-F238E27FC236}">
-                <a16:creationId xmlns:a16="http://schemas.microsoft.com/office/drawing/2014/main" id="{0AAF9F9A-333C-6213-130B-3950E3E6D4FD}"/>
+                <a16:creationId xmlns:a16="http://schemas.microsoft.com/office/drawing/2014/main" id="{86C976DE-E2A8-0306-7C17-5035E3A5788A}"/>
               </a:ext>
             </a:extLst>
           </p:cNvPr>
@@ -306,7 +306,7 @@
           <a:bodyPr/>
           <a:lstStyle/>
           <a:p>
-            <a:fld id="{C47F4AEC-A733-49E1-889A-DBEEF3D4EA2B}" type="slidenum">
+            <a:fld id="{3C65C42C-AB3F-4A51-A388-E819ACE70E28}" type="slidenum">
               <a:rPr lang="zh-CN" altLang="en-US" smtClean="0"/>
               <a:t>‹#›</a:t>
             </a:fld>
@@ -317,7 +317,7 @@
     </p:spTree>
     <p:extLst>
       <p:ext uri="{BB962C8B-B14F-4D97-AF65-F5344CB8AC3E}">
-        <p14:creationId xmlns:p14="http://schemas.microsoft.com/office/powerpoint/2010/main" val="3589528344"/>
+        <p14:creationId xmlns:p14="http://schemas.microsoft.com/office/powerpoint/2010/main" val="4114041790"/>
       </p:ext>
     </p:extLst>
   </p:cSld>
@@ -349,7 +349,7 @@
           <p:cNvPr id="2" name="标题 1">
             <a:extLst>
               <a:ext uri="{FF2B5EF4-FFF2-40B4-BE49-F238E27FC236}">
-                <a16:creationId xmlns:a16="http://schemas.microsoft.com/office/drawing/2014/main" id="{5C87A98E-9384-BF3D-37FF-5C44F5E9919C}"/>
+                <a16:creationId xmlns:a16="http://schemas.microsoft.com/office/drawing/2014/main" id="{69699923-8681-EE01-7D92-E6C44257C8F0}"/>
               </a:ext>
             </a:extLst>
           </p:cNvPr>
@@ -377,7 +377,7 @@
           <p:cNvPr id="3" name="竖排文字占位符 2">
             <a:extLst>
               <a:ext uri="{FF2B5EF4-FFF2-40B4-BE49-F238E27FC236}">
-                <a16:creationId xmlns:a16="http://schemas.microsoft.com/office/drawing/2014/main" id="{844B440D-BEA0-B98C-7AAF-F769DB598277}"/>
+                <a16:creationId xmlns:a16="http://schemas.microsoft.com/office/drawing/2014/main" id="{FB5E8C2E-BEF4-DB78-73C4-E6BE132E4B7B}"/>
               </a:ext>
             </a:extLst>
           </p:cNvPr>
@@ -434,7 +434,7 @@
           <p:cNvPr id="4" name="日期占位符 3">
             <a:extLst>
               <a:ext uri="{FF2B5EF4-FFF2-40B4-BE49-F238E27FC236}">
-                <a16:creationId xmlns:a16="http://schemas.microsoft.com/office/drawing/2014/main" id="{2F51CD6F-EFAC-D49B-EB4E-DD91572D803F}"/>
+                <a16:creationId xmlns:a16="http://schemas.microsoft.com/office/drawing/2014/main" id="{2261F38B-CF3F-3D2A-410B-87A7BC5DC537}"/>
               </a:ext>
             </a:extLst>
           </p:cNvPr>
@@ -450,7 +450,7 @@
           <a:bodyPr/>
           <a:lstStyle/>
           <a:p>
-            <a:fld id="{FE41EF64-9F44-4F4C-938D-C8D1D8B597C4}" type="datetimeFigureOut">
+            <a:fld id="{A374920B-620D-4FC6-89E7-FA0B3A0AC106}" type="datetimeFigureOut">
               <a:rPr lang="zh-CN" altLang="en-US" smtClean="0"/>
               <a:t>2024/3/10</a:t>
             </a:fld>
@@ -463,7 +463,7 @@
           <p:cNvPr id="5" name="页脚占位符 4">
             <a:extLst>
               <a:ext uri="{FF2B5EF4-FFF2-40B4-BE49-F238E27FC236}">
-                <a16:creationId xmlns:a16="http://schemas.microsoft.com/office/drawing/2014/main" id="{EAF77FA6-F42E-6082-86D5-AD7B3C4D997E}"/>
+                <a16:creationId xmlns:a16="http://schemas.microsoft.com/office/drawing/2014/main" id="{76AD1CB8-C0B2-D9A6-5C1D-A3DB59EA569F}"/>
               </a:ext>
             </a:extLst>
           </p:cNvPr>
@@ -488,7 +488,7 @@
           <p:cNvPr id="6" name="灯片编号占位符 5">
             <a:extLst>
               <a:ext uri="{FF2B5EF4-FFF2-40B4-BE49-F238E27FC236}">
-                <a16:creationId xmlns:a16="http://schemas.microsoft.com/office/drawing/2014/main" id="{E5F39FFC-F6C6-8C52-6368-2AE6D4491287}"/>
+                <a16:creationId xmlns:a16="http://schemas.microsoft.com/office/drawing/2014/main" id="{7F94C3FB-D0A4-963B-03B9-516EE4ADE747}"/>
               </a:ext>
             </a:extLst>
           </p:cNvPr>
@@ -504,7 +504,7 @@
           <a:bodyPr/>
           <a:lstStyle/>
           <a:p>
-            <a:fld id="{C47F4AEC-A733-49E1-889A-DBEEF3D4EA2B}" type="slidenum">
+            <a:fld id="{3C65C42C-AB3F-4A51-A388-E819ACE70E28}" type="slidenum">
               <a:rPr lang="zh-CN" altLang="en-US" smtClean="0"/>
               <a:t>‹#›</a:t>
             </a:fld>
@@ -515,7 +515,7 @@
     </p:spTree>
     <p:extLst>
       <p:ext uri="{BB962C8B-B14F-4D97-AF65-F5344CB8AC3E}">
-        <p14:creationId xmlns:p14="http://schemas.microsoft.com/office/powerpoint/2010/main" val="2402064646"/>
+        <p14:creationId xmlns:p14="http://schemas.microsoft.com/office/powerpoint/2010/main" val="198488435"/>
       </p:ext>
     </p:extLst>
   </p:cSld>
@@ -547,7 +547,7 @@
           <p:cNvPr id="2" name="竖排标题 1">
             <a:extLst>
               <a:ext uri="{FF2B5EF4-FFF2-40B4-BE49-F238E27FC236}">
-                <a16:creationId xmlns:a16="http://schemas.microsoft.com/office/drawing/2014/main" id="{92C9E35C-2168-E864-8A88-70276E010215}"/>
+                <a16:creationId xmlns:a16="http://schemas.microsoft.com/office/drawing/2014/main" id="{DA1542C6-7AFB-A261-428E-3CB081D388A3}"/>
               </a:ext>
             </a:extLst>
           </p:cNvPr>
@@ -580,7 +580,7 @@
           <p:cNvPr id="3" name="竖排文字占位符 2">
             <a:extLst>
               <a:ext uri="{FF2B5EF4-FFF2-40B4-BE49-F238E27FC236}">
-                <a16:creationId xmlns:a16="http://schemas.microsoft.com/office/drawing/2014/main" id="{8DC0B349-C1FA-17FF-1C84-C0DFB97E1231}"/>
+                <a16:creationId xmlns:a16="http://schemas.microsoft.com/office/drawing/2014/main" id="{ADFE13CB-1AA3-B6F3-6D9C-0BCFA9AD559D}"/>
               </a:ext>
             </a:extLst>
           </p:cNvPr>
@@ -642,7 +642,7 @@
           <p:cNvPr id="4" name="日期占位符 3">
             <a:extLst>
               <a:ext uri="{FF2B5EF4-FFF2-40B4-BE49-F238E27FC236}">
-                <a16:creationId xmlns:a16="http://schemas.microsoft.com/office/drawing/2014/main" id="{972792E9-8C46-4F4D-D09C-121F7F5E0423}"/>
+                <a16:creationId xmlns:a16="http://schemas.microsoft.com/office/drawing/2014/main" id="{E229A051-9BCA-D3DA-5A69-EB5D1344105F}"/>
               </a:ext>
             </a:extLst>
           </p:cNvPr>
@@ -658,7 +658,7 @@
           <a:bodyPr/>
           <a:lstStyle/>
           <a:p>
-            <a:fld id="{FE41EF64-9F44-4F4C-938D-C8D1D8B597C4}" type="datetimeFigureOut">
+            <a:fld id="{A374920B-620D-4FC6-89E7-FA0B3A0AC106}" type="datetimeFigureOut">
               <a:rPr lang="zh-CN" altLang="en-US" smtClean="0"/>
               <a:t>2024/3/10</a:t>
             </a:fld>
@@ -671,7 +671,7 @@
           <p:cNvPr id="5" name="页脚占位符 4">
             <a:extLst>
               <a:ext uri="{FF2B5EF4-FFF2-40B4-BE49-F238E27FC236}">
-                <a16:creationId xmlns:a16="http://schemas.microsoft.com/office/drawing/2014/main" id="{E469213A-0028-D16D-F300-AD275E35C225}"/>
+                <a16:creationId xmlns:a16="http://schemas.microsoft.com/office/drawing/2014/main" id="{1BE2D3B4-3822-DA9E-7C76-AC6BA8BAFC0F}"/>
               </a:ext>
             </a:extLst>
           </p:cNvPr>
@@ -696,7 +696,7 @@
           <p:cNvPr id="6" name="灯片编号占位符 5">
             <a:extLst>
               <a:ext uri="{FF2B5EF4-FFF2-40B4-BE49-F238E27FC236}">
-                <a16:creationId xmlns:a16="http://schemas.microsoft.com/office/drawing/2014/main" id="{FB91D873-674C-42C2-89ED-1A133F4992D0}"/>
+                <a16:creationId xmlns:a16="http://schemas.microsoft.com/office/drawing/2014/main" id="{935AF8F0-8557-7CC8-8819-DEE89F2CF8EB}"/>
               </a:ext>
             </a:extLst>
           </p:cNvPr>
@@ -712,7 +712,7 @@
           <a:bodyPr/>
           <a:lstStyle/>
           <a:p>
-            <a:fld id="{C47F4AEC-A733-49E1-889A-DBEEF3D4EA2B}" type="slidenum">
+            <a:fld id="{3C65C42C-AB3F-4A51-A388-E819ACE70E28}" type="slidenum">
               <a:rPr lang="zh-CN" altLang="en-US" smtClean="0"/>
               <a:t>‹#›</a:t>
             </a:fld>
@@ -723,7 +723,7 @@
     </p:spTree>
     <p:extLst>
       <p:ext uri="{BB962C8B-B14F-4D97-AF65-F5344CB8AC3E}">
-        <p14:creationId xmlns:p14="http://schemas.microsoft.com/office/powerpoint/2010/main" val="4263745767"/>
+        <p14:creationId xmlns:p14="http://schemas.microsoft.com/office/powerpoint/2010/main" val="3296785356"/>
       </p:ext>
     </p:extLst>
   </p:cSld>
@@ -755,7 +755,7 @@
           <p:cNvPr id="2" name="标题 1">
             <a:extLst>
               <a:ext uri="{FF2B5EF4-FFF2-40B4-BE49-F238E27FC236}">
-                <a16:creationId xmlns:a16="http://schemas.microsoft.com/office/drawing/2014/main" id="{2D6F8E70-173A-58EA-7872-77D332B3AF27}"/>
+                <a16:creationId xmlns:a16="http://schemas.microsoft.com/office/drawing/2014/main" id="{08861F42-AD72-E65C-6A32-D2FADA9AC6D8}"/>
               </a:ext>
             </a:extLst>
           </p:cNvPr>
@@ -783,7 +783,7 @@
           <p:cNvPr id="3" name="内容占位符 2">
             <a:extLst>
               <a:ext uri="{FF2B5EF4-FFF2-40B4-BE49-F238E27FC236}">
-                <a16:creationId xmlns:a16="http://schemas.microsoft.com/office/drawing/2014/main" id="{28432850-830C-5378-F012-7482CE641382}"/>
+                <a16:creationId xmlns:a16="http://schemas.microsoft.com/office/drawing/2014/main" id="{21377419-BF4E-91B4-714A-56AC0DE0885A}"/>
               </a:ext>
             </a:extLst>
           </p:cNvPr>
@@ -840,7 +840,7 @@
           <p:cNvPr id="4" name="日期占位符 3">
             <a:extLst>
               <a:ext uri="{FF2B5EF4-FFF2-40B4-BE49-F238E27FC236}">
-                <a16:creationId xmlns:a16="http://schemas.microsoft.com/office/drawing/2014/main" id="{DCF2A95E-8EF8-BC85-E1FD-7DF5F571F5D7}"/>
+                <a16:creationId xmlns:a16="http://schemas.microsoft.com/office/drawing/2014/main" id="{34203F04-5BD9-5C2D-E39B-D7F33C088E46}"/>
               </a:ext>
             </a:extLst>
           </p:cNvPr>
@@ -856,7 +856,7 @@
           <a:bodyPr/>
           <a:lstStyle/>
           <a:p>
-            <a:fld id="{FE41EF64-9F44-4F4C-938D-C8D1D8B597C4}" type="datetimeFigureOut">
+            <a:fld id="{A374920B-620D-4FC6-89E7-FA0B3A0AC106}" type="datetimeFigureOut">
               <a:rPr lang="zh-CN" altLang="en-US" smtClean="0"/>
               <a:t>2024/3/10</a:t>
             </a:fld>
@@ -869,7 +869,7 @@
           <p:cNvPr id="5" name="页脚占位符 4">
             <a:extLst>
               <a:ext uri="{FF2B5EF4-FFF2-40B4-BE49-F238E27FC236}">
-                <a16:creationId xmlns:a16="http://schemas.microsoft.com/office/drawing/2014/main" id="{8DF0626F-F0C4-C175-A027-2E497AFCEDB3}"/>
+                <a16:creationId xmlns:a16="http://schemas.microsoft.com/office/drawing/2014/main" id="{0224FD90-7344-4AB4-868A-8D4215808583}"/>
               </a:ext>
             </a:extLst>
           </p:cNvPr>
@@ -894,7 +894,7 @@
           <p:cNvPr id="6" name="灯片编号占位符 5">
             <a:extLst>
               <a:ext uri="{FF2B5EF4-FFF2-40B4-BE49-F238E27FC236}">
-                <a16:creationId xmlns:a16="http://schemas.microsoft.com/office/drawing/2014/main" id="{B33F8585-52F9-7A64-1288-E78E6BE4E221}"/>
+                <a16:creationId xmlns:a16="http://schemas.microsoft.com/office/drawing/2014/main" id="{7E26EBBD-75C2-C350-3C8C-4116D9CB3FCA}"/>
               </a:ext>
             </a:extLst>
           </p:cNvPr>
@@ -910,7 +910,7 @@
           <a:bodyPr/>
           <a:lstStyle/>
           <a:p>
-            <a:fld id="{C47F4AEC-A733-49E1-889A-DBEEF3D4EA2B}" type="slidenum">
+            <a:fld id="{3C65C42C-AB3F-4A51-A388-E819ACE70E28}" type="slidenum">
               <a:rPr lang="zh-CN" altLang="en-US" smtClean="0"/>
               <a:t>‹#›</a:t>
             </a:fld>
@@ -921,7 +921,7 @@
     </p:spTree>
     <p:extLst>
       <p:ext uri="{BB962C8B-B14F-4D97-AF65-F5344CB8AC3E}">
-        <p14:creationId xmlns:p14="http://schemas.microsoft.com/office/powerpoint/2010/main" val="2296912362"/>
+        <p14:creationId xmlns:p14="http://schemas.microsoft.com/office/powerpoint/2010/main" val="4249748252"/>
       </p:ext>
     </p:extLst>
   </p:cSld>
@@ -953,7 +953,7 @@
           <p:cNvPr id="2" name="标题 1">
             <a:extLst>
               <a:ext uri="{FF2B5EF4-FFF2-40B4-BE49-F238E27FC236}">
-                <a16:creationId xmlns:a16="http://schemas.microsoft.com/office/drawing/2014/main" id="{064C3E89-3FFA-B845-3D3F-B00BC07A3629}"/>
+                <a16:creationId xmlns:a16="http://schemas.microsoft.com/office/drawing/2014/main" id="{69BA11B5-BDE2-F310-6E6F-5FBA5744A537}"/>
               </a:ext>
             </a:extLst>
           </p:cNvPr>
@@ -990,7 +990,7 @@
           <p:cNvPr id="3" name="文本占位符 2">
             <a:extLst>
               <a:ext uri="{FF2B5EF4-FFF2-40B4-BE49-F238E27FC236}">
-                <a16:creationId xmlns:a16="http://schemas.microsoft.com/office/drawing/2014/main" id="{0FB6C232-C81F-92F1-2B70-06907E7418D8}"/>
+                <a16:creationId xmlns:a16="http://schemas.microsoft.com/office/drawing/2014/main" id="{C37F91F7-E76C-1F77-8FFE-CB7C5E0D58E8}"/>
               </a:ext>
             </a:extLst>
           </p:cNvPr>
@@ -1115,7 +1115,7 @@
           <p:cNvPr id="4" name="日期占位符 3">
             <a:extLst>
               <a:ext uri="{FF2B5EF4-FFF2-40B4-BE49-F238E27FC236}">
-                <a16:creationId xmlns:a16="http://schemas.microsoft.com/office/drawing/2014/main" id="{4454B15B-BE78-1949-0A31-1AAFA8628ECA}"/>
+                <a16:creationId xmlns:a16="http://schemas.microsoft.com/office/drawing/2014/main" id="{E5C47F60-C25A-9A44-BF07-498BBCCE44A1}"/>
               </a:ext>
             </a:extLst>
           </p:cNvPr>
@@ -1131,7 +1131,7 @@
           <a:bodyPr/>
           <a:lstStyle/>
           <a:p>
-            <a:fld id="{FE41EF64-9F44-4F4C-938D-C8D1D8B597C4}" type="datetimeFigureOut">
+            <a:fld id="{A374920B-620D-4FC6-89E7-FA0B3A0AC106}" type="datetimeFigureOut">
               <a:rPr lang="zh-CN" altLang="en-US" smtClean="0"/>
               <a:t>2024/3/10</a:t>
             </a:fld>
@@ -1144,7 +1144,7 @@
           <p:cNvPr id="5" name="页脚占位符 4">
             <a:extLst>
               <a:ext uri="{FF2B5EF4-FFF2-40B4-BE49-F238E27FC236}">
-                <a16:creationId xmlns:a16="http://schemas.microsoft.com/office/drawing/2014/main" id="{B636F34E-8137-61CE-4BC2-8B217BBB1D4F}"/>
+                <a16:creationId xmlns:a16="http://schemas.microsoft.com/office/drawing/2014/main" id="{BCCD60A0-73C8-3CC9-31D8-1A1088D6FE87}"/>
               </a:ext>
             </a:extLst>
           </p:cNvPr>
@@ -1169,7 +1169,7 @@
           <p:cNvPr id="6" name="灯片编号占位符 5">
             <a:extLst>
               <a:ext uri="{FF2B5EF4-FFF2-40B4-BE49-F238E27FC236}">
-                <a16:creationId xmlns:a16="http://schemas.microsoft.com/office/drawing/2014/main" id="{9C629DAB-374E-0220-5F15-F1C7949CCA45}"/>
+                <a16:creationId xmlns:a16="http://schemas.microsoft.com/office/drawing/2014/main" id="{DD642CB9-F6DB-B4B7-A058-A733EBF31E98}"/>
               </a:ext>
             </a:extLst>
           </p:cNvPr>
@@ -1185,7 +1185,7 @@
           <a:bodyPr/>
           <a:lstStyle/>
           <a:p>
-            <a:fld id="{C47F4AEC-A733-49E1-889A-DBEEF3D4EA2B}" type="slidenum">
+            <a:fld id="{3C65C42C-AB3F-4A51-A388-E819ACE70E28}" type="slidenum">
               <a:rPr lang="zh-CN" altLang="en-US" smtClean="0"/>
               <a:t>‹#›</a:t>
             </a:fld>
@@ -1196,7 +1196,7 @@
     </p:spTree>
     <p:extLst>
       <p:ext uri="{BB962C8B-B14F-4D97-AF65-F5344CB8AC3E}">
-        <p14:creationId xmlns:p14="http://schemas.microsoft.com/office/powerpoint/2010/main" val="2907916933"/>
+        <p14:creationId xmlns:p14="http://schemas.microsoft.com/office/powerpoint/2010/main" val="2469711596"/>
       </p:ext>
     </p:extLst>
   </p:cSld>
@@ -1228,7 +1228,7 @@
           <p:cNvPr id="2" name="标题 1">
             <a:extLst>
               <a:ext uri="{FF2B5EF4-FFF2-40B4-BE49-F238E27FC236}">
-                <a16:creationId xmlns:a16="http://schemas.microsoft.com/office/drawing/2014/main" id="{CEB00526-F166-90A2-DE1B-B2769A726E8E}"/>
+                <a16:creationId xmlns:a16="http://schemas.microsoft.com/office/drawing/2014/main" id="{F4BC889F-CD82-914F-D1F0-7397995AE04F}"/>
               </a:ext>
             </a:extLst>
           </p:cNvPr>
@@ -1256,7 +1256,7 @@
           <p:cNvPr id="3" name="内容占位符 2">
             <a:extLst>
               <a:ext uri="{FF2B5EF4-FFF2-40B4-BE49-F238E27FC236}">
-                <a16:creationId xmlns:a16="http://schemas.microsoft.com/office/drawing/2014/main" id="{373D1184-1299-10C7-6F07-78D74CBA3B3A}"/>
+                <a16:creationId xmlns:a16="http://schemas.microsoft.com/office/drawing/2014/main" id="{1A862704-145E-3645-61B8-1D5ED570C350}"/>
               </a:ext>
             </a:extLst>
           </p:cNvPr>
@@ -1318,7 +1318,7 @@
           <p:cNvPr id="4" name="内容占位符 3">
             <a:extLst>
               <a:ext uri="{FF2B5EF4-FFF2-40B4-BE49-F238E27FC236}">
-                <a16:creationId xmlns:a16="http://schemas.microsoft.com/office/drawing/2014/main" id="{279604DD-DD1E-502B-3376-109C11D1CEAF}"/>
+                <a16:creationId xmlns:a16="http://schemas.microsoft.com/office/drawing/2014/main" id="{198A4737-CE4D-F98C-AE07-4DBE20959DFF}"/>
               </a:ext>
             </a:extLst>
           </p:cNvPr>
@@ -1380,7 +1380,7 @@
           <p:cNvPr id="5" name="日期占位符 4">
             <a:extLst>
               <a:ext uri="{FF2B5EF4-FFF2-40B4-BE49-F238E27FC236}">
-                <a16:creationId xmlns:a16="http://schemas.microsoft.com/office/drawing/2014/main" id="{9E1FE095-8735-8F9E-4B5C-8E2C54F5E097}"/>
+                <a16:creationId xmlns:a16="http://schemas.microsoft.com/office/drawing/2014/main" id="{CA2DA507-8FD2-710B-1F59-8B5AB42214C4}"/>
               </a:ext>
             </a:extLst>
           </p:cNvPr>
@@ -1396,7 +1396,7 @@
           <a:bodyPr/>
           <a:lstStyle/>
           <a:p>
-            <a:fld id="{FE41EF64-9F44-4F4C-938D-C8D1D8B597C4}" type="datetimeFigureOut">
+            <a:fld id="{A374920B-620D-4FC6-89E7-FA0B3A0AC106}" type="datetimeFigureOut">
               <a:rPr lang="zh-CN" altLang="en-US" smtClean="0"/>
               <a:t>2024/3/10</a:t>
             </a:fld>
@@ -1409,7 +1409,7 @@
           <p:cNvPr id="6" name="页脚占位符 5">
             <a:extLst>
               <a:ext uri="{FF2B5EF4-FFF2-40B4-BE49-F238E27FC236}">
-                <a16:creationId xmlns:a16="http://schemas.microsoft.com/office/drawing/2014/main" id="{C4217902-A846-453F-F1CE-1AEA1560264C}"/>
+                <a16:creationId xmlns:a16="http://schemas.microsoft.com/office/drawing/2014/main" id="{B15C7FC3-49C0-14F0-444B-071CC3968D19}"/>
               </a:ext>
             </a:extLst>
           </p:cNvPr>
@@ -1434,7 +1434,7 @@
           <p:cNvPr id="7" name="灯片编号占位符 6">
             <a:extLst>
               <a:ext uri="{FF2B5EF4-FFF2-40B4-BE49-F238E27FC236}">
-                <a16:creationId xmlns:a16="http://schemas.microsoft.com/office/drawing/2014/main" id="{37A6868C-2AC2-F70D-A819-764177E90287}"/>
+                <a16:creationId xmlns:a16="http://schemas.microsoft.com/office/drawing/2014/main" id="{FCA96D37-850D-E27A-5EFC-8FBE0E7CC567}"/>
               </a:ext>
             </a:extLst>
           </p:cNvPr>
@@ -1450,7 +1450,7 @@
           <a:bodyPr/>
           <a:lstStyle/>
           <a:p>
-            <a:fld id="{C47F4AEC-A733-49E1-889A-DBEEF3D4EA2B}" type="slidenum">
+            <a:fld id="{3C65C42C-AB3F-4A51-A388-E819ACE70E28}" type="slidenum">
               <a:rPr lang="zh-CN" altLang="en-US" smtClean="0"/>
               <a:t>‹#›</a:t>
             </a:fld>
@@ -1461,7 +1461,7 @@
     </p:spTree>
     <p:extLst>
       <p:ext uri="{BB962C8B-B14F-4D97-AF65-F5344CB8AC3E}">
-        <p14:creationId xmlns:p14="http://schemas.microsoft.com/office/powerpoint/2010/main" val="578882385"/>
+        <p14:creationId xmlns:p14="http://schemas.microsoft.com/office/powerpoint/2010/main" val="2647131905"/>
       </p:ext>
     </p:extLst>
   </p:cSld>
@@ -1493,7 +1493,7 @@
           <p:cNvPr id="2" name="标题 1">
             <a:extLst>
               <a:ext uri="{FF2B5EF4-FFF2-40B4-BE49-F238E27FC236}">
-                <a16:creationId xmlns:a16="http://schemas.microsoft.com/office/drawing/2014/main" id="{B954AC90-7676-42B9-4272-9B8A4E8E45D2}"/>
+                <a16:creationId xmlns:a16="http://schemas.microsoft.com/office/drawing/2014/main" id="{6CC03BA5-48F7-A978-AE2C-A4CDCCAD16C6}"/>
               </a:ext>
             </a:extLst>
           </p:cNvPr>
@@ -1526,7 +1526,7 @@
           <p:cNvPr id="3" name="文本占位符 2">
             <a:extLst>
               <a:ext uri="{FF2B5EF4-FFF2-40B4-BE49-F238E27FC236}">
-                <a16:creationId xmlns:a16="http://schemas.microsoft.com/office/drawing/2014/main" id="{1C5CE119-294E-12AD-174B-007F1AB519D5}"/>
+                <a16:creationId xmlns:a16="http://schemas.microsoft.com/office/drawing/2014/main" id="{243D2A6F-CFC4-C9A1-0691-E29BBE7E3B5A}"/>
               </a:ext>
             </a:extLst>
           </p:cNvPr>
@@ -1597,7 +1597,7 @@
           <p:cNvPr id="4" name="内容占位符 3">
             <a:extLst>
               <a:ext uri="{FF2B5EF4-FFF2-40B4-BE49-F238E27FC236}">
-                <a16:creationId xmlns:a16="http://schemas.microsoft.com/office/drawing/2014/main" id="{BC521AB0-9664-C222-E01A-6E0354A6C61F}"/>
+                <a16:creationId xmlns:a16="http://schemas.microsoft.com/office/drawing/2014/main" id="{82115640-4D0C-A333-1FF1-47F05408C11C}"/>
               </a:ext>
             </a:extLst>
           </p:cNvPr>
@@ -1659,7 +1659,7 @@
           <p:cNvPr id="5" name="文本占位符 4">
             <a:extLst>
               <a:ext uri="{FF2B5EF4-FFF2-40B4-BE49-F238E27FC236}">
-                <a16:creationId xmlns:a16="http://schemas.microsoft.com/office/drawing/2014/main" id="{A922A4F2-B456-B35F-29DC-D999674BFB96}"/>
+                <a16:creationId xmlns:a16="http://schemas.microsoft.com/office/drawing/2014/main" id="{E3533E1F-0872-3577-840E-120EC1481CBB}"/>
               </a:ext>
             </a:extLst>
           </p:cNvPr>
@@ -1730,7 +1730,7 @@
           <p:cNvPr id="6" name="内容占位符 5">
             <a:extLst>
               <a:ext uri="{FF2B5EF4-FFF2-40B4-BE49-F238E27FC236}">
-                <a16:creationId xmlns:a16="http://schemas.microsoft.com/office/drawing/2014/main" id="{C827457E-8A28-DF1E-DF9E-F4663A2C799C}"/>
+                <a16:creationId xmlns:a16="http://schemas.microsoft.com/office/drawing/2014/main" id="{53A3E5E3-117B-1127-17BA-E9B215F3F428}"/>
               </a:ext>
             </a:extLst>
           </p:cNvPr>
@@ -1792,7 +1792,7 @@
           <p:cNvPr id="7" name="日期占位符 6">
             <a:extLst>
               <a:ext uri="{FF2B5EF4-FFF2-40B4-BE49-F238E27FC236}">
-                <a16:creationId xmlns:a16="http://schemas.microsoft.com/office/drawing/2014/main" id="{A6C0198B-FC59-C515-9604-0CAA1A2F2C06}"/>
+                <a16:creationId xmlns:a16="http://schemas.microsoft.com/office/drawing/2014/main" id="{DB40D8AB-F785-2401-38FD-D9283BDAC95D}"/>
               </a:ext>
             </a:extLst>
           </p:cNvPr>
@@ -1808,7 +1808,7 @@
           <a:bodyPr/>
           <a:lstStyle/>
           <a:p>
-            <a:fld id="{FE41EF64-9F44-4F4C-938D-C8D1D8B597C4}" type="datetimeFigureOut">
+            <a:fld id="{A374920B-620D-4FC6-89E7-FA0B3A0AC106}" type="datetimeFigureOut">
               <a:rPr lang="zh-CN" altLang="en-US" smtClean="0"/>
               <a:t>2024/3/10</a:t>
             </a:fld>
@@ -1821,7 +1821,7 @@
           <p:cNvPr id="8" name="页脚占位符 7">
             <a:extLst>
               <a:ext uri="{FF2B5EF4-FFF2-40B4-BE49-F238E27FC236}">
-                <a16:creationId xmlns:a16="http://schemas.microsoft.com/office/drawing/2014/main" id="{0AB8A035-3026-A412-EDBF-F803AD7BE77F}"/>
+                <a16:creationId xmlns:a16="http://schemas.microsoft.com/office/drawing/2014/main" id="{684A9B34-FD03-E7FD-91D7-1D930BF6DFC5}"/>
               </a:ext>
             </a:extLst>
           </p:cNvPr>
@@ -1846,7 +1846,7 @@
           <p:cNvPr id="9" name="灯片编号占位符 8">
             <a:extLst>
               <a:ext uri="{FF2B5EF4-FFF2-40B4-BE49-F238E27FC236}">
-                <a16:creationId xmlns:a16="http://schemas.microsoft.com/office/drawing/2014/main" id="{B64EA716-E3D2-F5E7-CC9A-1F85D0C4723E}"/>
+                <a16:creationId xmlns:a16="http://schemas.microsoft.com/office/drawing/2014/main" id="{AEB248A7-4E66-ABE1-9AEF-B59759CEE468}"/>
               </a:ext>
             </a:extLst>
           </p:cNvPr>
@@ -1862,7 +1862,7 @@
           <a:bodyPr/>
           <a:lstStyle/>
           <a:p>
-            <a:fld id="{C47F4AEC-A733-49E1-889A-DBEEF3D4EA2B}" type="slidenum">
+            <a:fld id="{3C65C42C-AB3F-4A51-A388-E819ACE70E28}" type="slidenum">
               <a:rPr lang="zh-CN" altLang="en-US" smtClean="0"/>
               <a:t>‹#›</a:t>
             </a:fld>
@@ -1873,7 +1873,7 @@
     </p:spTree>
     <p:extLst>
       <p:ext uri="{BB962C8B-B14F-4D97-AF65-F5344CB8AC3E}">
-        <p14:creationId xmlns:p14="http://schemas.microsoft.com/office/powerpoint/2010/main" val="3393029826"/>
+        <p14:creationId xmlns:p14="http://schemas.microsoft.com/office/powerpoint/2010/main" val="1410388905"/>
       </p:ext>
     </p:extLst>
   </p:cSld>
@@ -1905,7 +1905,7 @@
           <p:cNvPr id="2" name="标题 1">
             <a:extLst>
               <a:ext uri="{FF2B5EF4-FFF2-40B4-BE49-F238E27FC236}">
-                <a16:creationId xmlns:a16="http://schemas.microsoft.com/office/drawing/2014/main" id="{2C55B0AE-517A-CB8D-B537-C3E338AFC366}"/>
+                <a16:creationId xmlns:a16="http://schemas.microsoft.com/office/drawing/2014/main" id="{83DC6FD8-E3AA-48A8-2A5F-062B2FDC1C9B}"/>
               </a:ext>
             </a:extLst>
           </p:cNvPr>
@@ -1933,7 +1933,7 @@
           <p:cNvPr id="3" name="日期占位符 2">
             <a:extLst>
               <a:ext uri="{FF2B5EF4-FFF2-40B4-BE49-F238E27FC236}">
-                <a16:creationId xmlns:a16="http://schemas.microsoft.com/office/drawing/2014/main" id="{7088CAE1-68DD-0085-6BEC-8BC4E39FC2E3}"/>
+                <a16:creationId xmlns:a16="http://schemas.microsoft.com/office/drawing/2014/main" id="{E721AE91-7337-F9ED-51A5-122937AB6A33}"/>
               </a:ext>
             </a:extLst>
           </p:cNvPr>
@@ -1949,7 +1949,7 @@
           <a:bodyPr/>
           <a:lstStyle/>
           <a:p>
-            <a:fld id="{FE41EF64-9F44-4F4C-938D-C8D1D8B597C4}" type="datetimeFigureOut">
+            <a:fld id="{A374920B-620D-4FC6-89E7-FA0B3A0AC106}" type="datetimeFigureOut">
               <a:rPr lang="zh-CN" altLang="en-US" smtClean="0"/>
               <a:t>2024/3/10</a:t>
             </a:fld>
@@ -1962,7 +1962,7 @@
           <p:cNvPr id="4" name="页脚占位符 3">
             <a:extLst>
               <a:ext uri="{FF2B5EF4-FFF2-40B4-BE49-F238E27FC236}">
-                <a16:creationId xmlns:a16="http://schemas.microsoft.com/office/drawing/2014/main" id="{CFBE5E32-BA4B-169D-EDF1-D7378186D181}"/>
+                <a16:creationId xmlns:a16="http://schemas.microsoft.com/office/drawing/2014/main" id="{13682DAC-C412-8B7D-5E5B-63F84313DF71}"/>
               </a:ext>
             </a:extLst>
           </p:cNvPr>
@@ -1987,7 +1987,7 @@
           <p:cNvPr id="5" name="灯片编号占位符 4">
             <a:extLst>
               <a:ext uri="{FF2B5EF4-FFF2-40B4-BE49-F238E27FC236}">
-                <a16:creationId xmlns:a16="http://schemas.microsoft.com/office/drawing/2014/main" id="{0D713F08-7E88-A825-8A57-0524004E5E7E}"/>
+                <a16:creationId xmlns:a16="http://schemas.microsoft.com/office/drawing/2014/main" id="{E0C7F6F5-806A-BF7C-87CA-6649C5C3607D}"/>
               </a:ext>
             </a:extLst>
           </p:cNvPr>
@@ -2003,7 +2003,7 @@
           <a:bodyPr/>
           <a:lstStyle/>
           <a:p>
-            <a:fld id="{C47F4AEC-A733-49E1-889A-DBEEF3D4EA2B}" type="slidenum">
+            <a:fld id="{3C65C42C-AB3F-4A51-A388-E819ACE70E28}" type="slidenum">
               <a:rPr lang="zh-CN" altLang="en-US" smtClean="0"/>
               <a:t>‹#›</a:t>
             </a:fld>
@@ -2014,7 +2014,7 @@
     </p:spTree>
     <p:extLst>
       <p:ext uri="{BB962C8B-B14F-4D97-AF65-F5344CB8AC3E}">
-        <p14:creationId xmlns:p14="http://schemas.microsoft.com/office/powerpoint/2010/main" val="2913150876"/>
+        <p14:creationId xmlns:p14="http://schemas.microsoft.com/office/powerpoint/2010/main" val="1756487163"/>
       </p:ext>
     </p:extLst>
   </p:cSld>
@@ -2046,7 +2046,7 @@
           <p:cNvPr id="2" name="日期占位符 1">
             <a:extLst>
               <a:ext uri="{FF2B5EF4-FFF2-40B4-BE49-F238E27FC236}">
-                <a16:creationId xmlns:a16="http://schemas.microsoft.com/office/drawing/2014/main" id="{23EE505E-18F6-93AA-9ECF-3BE81E1D4F43}"/>
+                <a16:creationId xmlns:a16="http://schemas.microsoft.com/office/drawing/2014/main" id="{B0F3671D-115B-A3A5-D644-A920B3DD667E}"/>
               </a:ext>
             </a:extLst>
           </p:cNvPr>
@@ -2062,7 +2062,7 @@
           <a:bodyPr/>
           <a:lstStyle/>
           <a:p>
-            <a:fld id="{FE41EF64-9F44-4F4C-938D-C8D1D8B597C4}" type="datetimeFigureOut">
+            <a:fld id="{A374920B-620D-4FC6-89E7-FA0B3A0AC106}" type="datetimeFigureOut">
               <a:rPr lang="zh-CN" altLang="en-US" smtClean="0"/>
               <a:t>2024/3/10</a:t>
             </a:fld>
@@ -2075,7 +2075,7 @@
           <p:cNvPr id="3" name="页脚占位符 2">
             <a:extLst>
               <a:ext uri="{FF2B5EF4-FFF2-40B4-BE49-F238E27FC236}">
-                <a16:creationId xmlns:a16="http://schemas.microsoft.com/office/drawing/2014/main" id="{F85FED2F-2158-C4E3-97F9-ED4DDDE6C1D2}"/>
+                <a16:creationId xmlns:a16="http://schemas.microsoft.com/office/drawing/2014/main" id="{5E4A7B3C-81D2-F5CA-BA09-B8327A42D5F8}"/>
               </a:ext>
             </a:extLst>
           </p:cNvPr>
@@ -2100,7 +2100,7 @@
           <p:cNvPr id="4" name="灯片编号占位符 3">
             <a:extLst>
               <a:ext uri="{FF2B5EF4-FFF2-40B4-BE49-F238E27FC236}">
-                <a16:creationId xmlns:a16="http://schemas.microsoft.com/office/drawing/2014/main" id="{EE8BD608-4027-91C4-EAFC-E9329E0A64E8}"/>
+                <a16:creationId xmlns:a16="http://schemas.microsoft.com/office/drawing/2014/main" id="{32EE1526-C6CE-B792-CF64-757E9AA17C75}"/>
               </a:ext>
             </a:extLst>
           </p:cNvPr>
@@ -2116,7 +2116,7 @@
           <a:bodyPr/>
           <a:lstStyle/>
           <a:p>
-            <a:fld id="{C47F4AEC-A733-49E1-889A-DBEEF3D4EA2B}" type="slidenum">
+            <a:fld id="{3C65C42C-AB3F-4A51-A388-E819ACE70E28}" type="slidenum">
               <a:rPr lang="zh-CN" altLang="en-US" smtClean="0"/>
               <a:t>‹#›</a:t>
             </a:fld>
@@ -2127,7 +2127,7 @@
     </p:spTree>
     <p:extLst>
       <p:ext uri="{BB962C8B-B14F-4D97-AF65-F5344CB8AC3E}">
-        <p14:creationId xmlns:p14="http://schemas.microsoft.com/office/powerpoint/2010/main" val="1331086826"/>
+        <p14:creationId xmlns:p14="http://schemas.microsoft.com/office/powerpoint/2010/main" val="3864081090"/>
       </p:ext>
     </p:extLst>
   </p:cSld>
@@ -2159,7 +2159,7 @@
           <p:cNvPr id="2" name="标题 1">
             <a:extLst>
               <a:ext uri="{FF2B5EF4-FFF2-40B4-BE49-F238E27FC236}">
-                <a16:creationId xmlns:a16="http://schemas.microsoft.com/office/drawing/2014/main" id="{27EE9879-BF62-DABE-8EB6-0A16BBD03E74}"/>
+                <a16:creationId xmlns:a16="http://schemas.microsoft.com/office/drawing/2014/main" id="{768BDE36-84CE-15C9-8FB0-CB6AF324B3DD}"/>
               </a:ext>
             </a:extLst>
           </p:cNvPr>
@@ -2196,7 +2196,7 @@
           <p:cNvPr id="3" name="内容占位符 2">
             <a:extLst>
               <a:ext uri="{FF2B5EF4-FFF2-40B4-BE49-F238E27FC236}">
-                <a16:creationId xmlns:a16="http://schemas.microsoft.com/office/drawing/2014/main" id="{2027C036-845A-F978-2599-8EE434CE8476}"/>
+                <a16:creationId xmlns:a16="http://schemas.microsoft.com/office/drawing/2014/main" id="{A14196A3-4ED7-9CA3-3564-79B00D05709B}"/>
               </a:ext>
             </a:extLst>
           </p:cNvPr>
@@ -2286,7 +2286,7 @@
           <p:cNvPr id="4" name="文本占位符 3">
             <a:extLst>
               <a:ext uri="{FF2B5EF4-FFF2-40B4-BE49-F238E27FC236}">
-                <a16:creationId xmlns:a16="http://schemas.microsoft.com/office/drawing/2014/main" id="{9471F889-F2B2-13E4-6817-941BCDCBFAAB}"/>
+                <a16:creationId xmlns:a16="http://schemas.microsoft.com/office/drawing/2014/main" id="{5B3DAEB1-CFD0-CC93-0BCE-45B87D7E2939}"/>
               </a:ext>
             </a:extLst>
           </p:cNvPr>
@@ -2357,7 +2357,7 @@
           <p:cNvPr id="5" name="日期占位符 4">
             <a:extLst>
               <a:ext uri="{FF2B5EF4-FFF2-40B4-BE49-F238E27FC236}">
-                <a16:creationId xmlns:a16="http://schemas.microsoft.com/office/drawing/2014/main" id="{50CBF791-CA0C-BA53-83DE-C084CC48F7F7}"/>
+                <a16:creationId xmlns:a16="http://schemas.microsoft.com/office/drawing/2014/main" id="{CB44B9CA-FEFD-25D4-A8D6-450D04D71987}"/>
               </a:ext>
             </a:extLst>
           </p:cNvPr>
@@ -2373,7 +2373,7 @@
           <a:bodyPr/>
           <a:lstStyle/>
           <a:p>
-            <a:fld id="{FE41EF64-9F44-4F4C-938D-C8D1D8B597C4}" type="datetimeFigureOut">
+            <a:fld id="{A374920B-620D-4FC6-89E7-FA0B3A0AC106}" type="datetimeFigureOut">
               <a:rPr lang="zh-CN" altLang="en-US" smtClean="0"/>
               <a:t>2024/3/10</a:t>
             </a:fld>
@@ -2386,7 +2386,7 @@
           <p:cNvPr id="6" name="页脚占位符 5">
             <a:extLst>
               <a:ext uri="{FF2B5EF4-FFF2-40B4-BE49-F238E27FC236}">
-                <a16:creationId xmlns:a16="http://schemas.microsoft.com/office/drawing/2014/main" id="{F61AB7A4-B315-1915-EE72-4B4467C92A3B}"/>
+                <a16:creationId xmlns:a16="http://schemas.microsoft.com/office/drawing/2014/main" id="{20BF6B5B-9333-5D38-E1E3-7C4EE284E554}"/>
               </a:ext>
             </a:extLst>
           </p:cNvPr>
@@ -2411,7 +2411,7 @@
           <p:cNvPr id="7" name="灯片编号占位符 6">
             <a:extLst>
               <a:ext uri="{FF2B5EF4-FFF2-40B4-BE49-F238E27FC236}">
-                <a16:creationId xmlns:a16="http://schemas.microsoft.com/office/drawing/2014/main" id="{55514C04-6BB5-E872-D8D9-ECAAEB802B38}"/>
+                <a16:creationId xmlns:a16="http://schemas.microsoft.com/office/drawing/2014/main" id="{C673A254-2248-5C63-A637-563E60911CFE}"/>
               </a:ext>
             </a:extLst>
           </p:cNvPr>
@@ -2427,7 +2427,7 @@
           <a:bodyPr/>
           <a:lstStyle/>
           <a:p>
-            <a:fld id="{C47F4AEC-A733-49E1-889A-DBEEF3D4EA2B}" type="slidenum">
+            <a:fld id="{3C65C42C-AB3F-4A51-A388-E819ACE70E28}" type="slidenum">
               <a:rPr lang="zh-CN" altLang="en-US" smtClean="0"/>
               <a:t>‹#›</a:t>
             </a:fld>
@@ -2438,7 +2438,7 @@
     </p:spTree>
     <p:extLst>
       <p:ext uri="{BB962C8B-B14F-4D97-AF65-F5344CB8AC3E}">
-        <p14:creationId xmlns:p14="http://schemas.microsoft.com/office/powerpoint/2010/main" val="4127880149"/>
+        <p14:creationId xmlns:p14="http://schemas.microsoft.com/office/powerpoint/2010/main" val="1507915548"/>
       </p:ext>
     </p:extLst>
   </p:cSld>
@@ -2470,7 +2470,7 @@
           <p:cNvPr id="2" name="标题 1">
             <a:extLst>
               <a:ext uri="{FF2B5EF4-FFF2-40B4-BE49-F238E27FC236}">
-                <a16:creationId xmlns:a16="http://schemas.microsoft.com/office/drawing/2014/main" id="{9903015C-80BF-7B01-500A-E1DDA7456006}"/>
+                <a16:creationId xmlns:a16="http://schemas.microsoft.com/office/drawing/2014/main" id="{E11ABD34-098F-1D07-50EA-8DED1DA129F7}"/>
               </a:ext>
             </a:extLst>
           </p:cNvPr>
@@ -2507,7 +2507,7 @@
           <p:cNvPr id="3" name="图片占位符 2">
             <a:extLst>
               <a:ext uri="{FF2B5EF4-FFF2-40B4-BE49-F238E27FC236}">
-                <a16:creationId xmlns:a16="http://schemas.microsoft.com/office/drawing/2014/main" id="{97BB32A9-925F-F444-3B39-A83A163D5491}"/>
+                <a16:creationId xmlns:a16="http://schemas.microsoft.com/office/drawing/2014/main" id="{1681F639-B29D-1143-6613-ED7EFE1561F0}"/>
               </a:ext>
             </a:extLst>
           </p:cNvPr>
@@ -2574,7 +2574,7 @@
           <p:cNvPr id="4" name="文本占位符 3">
             <a:extLst>
               <a:ext uri="{FF2B5EF4-FFF2-40B4-BE49-F238E27FC236}">
-                <a16:creationId xmlns:a16="http://schemas.microsoft.com/office/drawing/2014/main" id="{AB159F30-6877-C21F-CD3E-AA18B3FC9896}"/>
+                <a16:creationId xmlns:a16="http://schemas.microsoft.com/office/drawing/2014/main" id="{6F2C6EBF-5ED6-1F76-7C61-B8A83602DF2A}"/>
               </a:ext>
             </a:extLst>
           </p:cNvPr>
@@ -2645,7 +2645,7 @@
           <p:cNvPr id="5" name="日期占位符 4">
             <a:extLst>
               <a:ext uri="{FF2B5EF4-FFF2-40B4-BE49-F238E27FC236}">
-                <a16:creationId xmlns:a16="http://schemas.microsoft.com/office/drawing/2014/main" id="{742A5E37-A963-236D-59FC-A5DC6FD592E1}"/>
+                <a16:creationId xmlns:a16="http://schemas.microsoft.com/office/drawing/2014/main" id="{FB32C896-AD0A-749D-C17E-D1A9D9B6A401}"/>
               </a:ext>
             </a:extLst>
           </p:cNvPr>
@@ -2661,7 +2661,7 @@
           <a:bodyPr/>
           <a:lstStyle/>
           <a:p>
-            <a:fld id="{FE41EF64-9F44-4F4C-938D-C8D1D8B597C4}" type="datetimeFigureOut">
+            <a:fld id="{A374920B-620D-4FC6-89E7-FA0B3A0AC106}" type="datetimeFigureOut">
               <a:rPr lang="zh-CN" altLang="en-US" smtClean="0"/>
               <a:t>2024/3/10</a:t>
             </a:fld>
@@ -2674,7 +2674,7 @@
           <p:cNvPr id="6" name="页脚占位符 5">
             <a:extLst>
               <a:ext uri="{FF2B5EF4-FFF2-40B4-BE49-F238E27FC236}">
-                <a16:creationId xmlns:a16="http://schemas.microsoft.com/office/drawing/2014/main" id="{335A8B32-CC8A-B4D9-955D-FF849106A8DA}"/>
+                <a16:creationId xmlns:a16="http://schemas.microsoft.com/office/drawing/2014/main" id="{1D23CB9C-A5F3-3B48-CA25-C5B21C40696C}"/>
               </a:ext>
             </a:extLst>
           </p:cNvPr>
@@ -2699,7 +2699,7 @@
           <p:cNvPr id="7" name="灯片编号占位符 6">
             <a:extLst>
               <a:ext uri="{FF2B5EF4-FFF2-40B4-BE49-F238E27FC236}">
-                <a16:creationId xmlns:a16="http://schemas.microsoft.com/office/drawing/2014/main" id="{4DCDE42F-E9F9-96AD-BE08-0D57DFC47D3C}"/>
+                <a16:creationId xmlns:a16="http://schemas.microsoft.com/office/drawing/2014/main" id="{6333336B-8F75-248B-7E63-B569875EF065}"/>
               </a:ext>
             </a:extLst>
           </p:cNvPr>
@@ -2715,7 +2715,7 @@
           <a:bodyPr/>
           <a:lstStyle/>
           <a:p>
-            <a:fld id="{C47F4AEC-A733-49E1-889A-DBEEF3D4EA2B}" type="slidenum">
+            <a:fld id="{3C65C42C-AB3F-4A51-A388-E819ACE70E28}" type="slidenum">
               <a:rPr lang="zh-CN" altLang="en-US" smtClean="0"/>
               <a:t>‹#›</a:t>
             </a:fld>
@@ -2726,7 +2726,7 @@
     </p:spTree>
     <p:extLst>
       <p:ext uri="{BB962C8B-B14F-4D97-AF65-F5344CB8AC3E}">
-        <p14:creationId xmlns:p14="http://schemas.microsoft.com/office/powerpoint/2010/main" val="32483090"/>
+        <p14:creationId xmlns:p14="http://schemas.microsoft.com/office/powerpoint/2010/main" val="2160906738"/>
       </p:ext>
     </p:extLst>
   </p:cSld>
@@ -2763,7 +2763,7 @@
           <p:cNvPr id="2" name="标题占位符 1">
             <a:extLst>
               <a:ext uri="{FF2B5EF4-FFF2-40B4-BE49-F238E27FC236}">
-                <a16:creationId xmlns:a16="http://schemas.microsoft.com/office/drawing/2014/main" id="{A2AD1931-3004-A1C1-B067-7782E649F581}"/>
+                <a16:creationId xmlns:a16="http://schemas.microsoft.com/office/drawing/2014/main" id="{D786F7CA-D9D8-B9CE-7A3E-6E1500510732}"/>
               </a:ext>
             </a:extLst>
           </p:cNvPr>
@@ -2801,7 +2801,7 @@
           <p:cNvPr id="3" name="文本占位符 2">
             <a:extLst>
               <a:ext uri="{FF2B5EF4-FFF2-40B4-BE49-F238E27FC236}">
-                <a16:creationId xmlns:a16="http://schemas.microsoft.com/office/drawing/2014/main" id="{F4E88426-FC1A-9ECE-C087-20AAF2110CD2}"/>
+                <a16:creationId xmlns:a16="http://schemas.microsoft.com/office/drawing/2014/main" id="{FB655169-9FB8-9AE3-9C88-A1F1AC94A1C0}"/>
               </a:ext>
             </a:extLst>
           </p:cNvPr>
@@ -2868,7 +2868,7 @@
           <p:cNvPr id="4" name="日期占位符 3">
             <a:extLst>
               <a:ext uri="{FF2B5EF4-FFF2-40B4-BE49-F238E27FC236}">
-                <a16:creationId xmlns:a16="http://schemas.microsoft.com/office/drawing/2014/main" id="{31020E17-883A-6A51-9992-9581D6082F6C}"/>
+                <a16:creationId xmlns:a16="http://schemas.microsoft.com/office/drawing/2014/main" id="{C07CAB02-55FF-487C-DFB8-F7404C589484}"/>
               </a:ext>
             </a:extLst>
           </p:cNvPr>
@@ -2902,7 +2902,7 @@
             </a:lvl1pPr>
           </a:lstStyle>
           <a:p>
-            <a:fld id="{FE41EF64-9F44-4F4C-938D-C8D1D8B597C4}" type="datetimeFigureOut">
+            <a:fld id="{A374920B-620D-4FC6-89E7-FA0B3A0AC106}" type="datetimeFigureOut">
               <a:rPr lang="zh-CN" altLang="en-US" smtClean="0"/>
               <a:t>2024/3/10</a:t>
             </a:fld>
@@ -2915,7 +2915,7 @@
           <p:cNvPr id="5" name="页脚占位符 4">
             <a:extLst>
               <a:ext uri="{FF2B5EF4-FFF2-40B4-BE49-F238E27FC236}">
-                <a16:creationId xmlns:a16="http://schemas.microsoft.com/office/drawing/2014/main" id="{4090A6AC-3825-CF14-7F2D-5648F68B30FF}"/>
+                <a16:creationId xmlns:a16="http://schemas.microsoft.com/office/drawing/2014/main" id="{FB2E5B3B-D636-4B07-EEE6-72C1005FA8A7}"/>
               </a:ext>
             </a:extLst>
           </p:cNvPr>
@@ -2958,7 +2958,7 @@
           <p:cNvPr id="6" name="灯片编号占位符 5">
             <a:extLst>
               <a:ext uri="{FF2B5EF4-FFF2-40B4-BE49-F238E27FC236}">
-                <a16:creationId xmlns:a16="http://schemas.microsoft.com/office/drawing/2014/main" id="{939216F1-553B-31D0-85B8-79FAD583C2B4}"/>
+                <a16:creationId xmlns:a16="http://schemas.microsoft.com/office/drawing/2014/main" id="{74A515C3-86A4-BE3E-ECC2-393B010C4F22}"/>
               </a:ext>
             </a:extLst>
           </p:cNvPr>
@@ -2992,7 +2992,7 @@
             </a:lvl1pPr>
           </a:lstStyle>
           <a:p>
-            <a:fld id="{C47F4AEC-A733-49E1-889A-DBEEF3D4EA2B}" type="slidenum">
+            <a:fld id="{3C65C42C-AB3F-4A51-A388-E819ACE70E28}" type="slidenum">
               <a:rPr lang="zh-CN" altLang="en-US" smtClean="0"/>
               <a:t>‹#›</a:t>
             </a:fld>
@@ -3003,7 +3003,7 @@
     </p:spTree>
     <p:extLst>
       <p:ext uri="{BB962C8B-B14F-4D97-AF65-F5344CB8AC3E}">
-        <p14:creationId xmlns:p14="http://schemas.microsoft.com/office/powerpoint/2010/main" val="3493311418"/>
+        <p14:creationId xmlns:p14="http://schemas.microsoft.com/office/powerpoint/2010/main" val="4281038467"/>
       </p:ext>
     </p:extLst>
   </p:cSld>
@@ -3323,7 +3323,7 @@
       </p:grpSpPr>
       <p:pic>
         <p:nvPicPr>
-          <p:cNvPr id="1173506" name="Picture 2" descr="1145"/>
+          <p:cNvPr id="1174530" name="Picture 2" descr="1146"/>
           <p:cNvPicPr>
             <a:picLocks noChangeAspect="1" noChangeArrowheads="1"/>
           </p:cNvPicPr>
@@ -3344,8 +3344,8 @@
         </p:blipFill>
         <p:spPr bwMode="auto">
           <a:xfrm>
-            <a:off x="1524000" y="1"/>
-            <a:ext cx="9124950" cy="6843713"/>
+            <a:off x="1524000" y="0"/>
+            <a:ext cx="9144000" cy="6858000"/>
           </a:xfrm>
           <a:prstGeom prst="rect">
             <a:avLst/>
@@ -3375,11 +3375,158 @@
           </a:extLst>
         </p:spPr>
       </p:pic>
+      <p:pic>
+        <p:nvPicPr>
+          <p:cNvPr id="1175555" name="Picture 3" descr="1146-2"/>
+          <p:cNvPicPr>
+            <a:picLocks noChangeAspect="1" noChangeArrowheads="1"/>
+          </p:cNvPicPr>
+          <p:nvPr/>
+        </p:nvPicPr>
+        <p:blipFill>
+          <a:blip r:embed="rId3">
+            <a:extLst>
+              <a:ext uri="{28A0092B-C50C-407E-A947-70E740481C1C}">
+                <a14:useLocalDpi xmlns:a14="http://schemas.microsoft.com/office/drawing/2010/main" val="0"/>
+              </a:ext>
+            </a:extLst>
+          </a:blip>
+          <a:srcRect/>
+          <a:stretch>
+            <a:fillRect/>
+          </a:stretch>
+        </p:blipFill>
+        <p:spPr bwMode="auto">
+          <a:xfrm>
+            <a:off x="1524000" y="-14288"/>
+            <a:ext cx="9144000" cy="6846888"/>
+          </a:xfrm>
+          <a:prstGeom prst="rect">
+            <a:avLst/>
+          </a:prstGeom>
+          <a:noFill/>
+          <a:ln>
+            <a:noFill/>
+          </a:ln>
+          <a:effectLst/>
+          <a:extLst>
+            <a:ext uri="{909E8E84-426E-40DD-AFC4-6F175D3DCCD1}">
+              <a14:hiddenFill xmlns:a14="http://schemas.microsoft.com/office/drawing/2010/main">
+                <a:solidFill>
+                  <a:srgbClr val="FFFFFF"/>
+                </a:solidFill>
+              </a14:hiddenFill>
+            </a:ext>
+            <a:ext uri="{91240B29-F687-4F45-9708-019B960494DF}">
+              <a14:hiddenLine xmlns:a14="http://schemas.microsoft.com/office/drawing/2010/main" w="9525">
+                <a:solidFill>
+                  <a:srgbClr val="000000"/>
+                </a:solidFill>
+                <a:miter lim="800000"/>
+                <a:headEnd/>
+                <a:tailEnd/>
+              </a14:hiddenLine>
+            </a:ext>
+            <a:ext uri="{AF507438-7753-43E0-B8FC-AC1667EBCBE1}">
+              <a14:hiddenEffects xmlns:a14="http://schemas.microsoft.com/office/drawing/2010/main">
+                <a:effectLst>
+                  <a:outerShdw dist="35921" dir="2700000" algn="ctr" rotWithShape="0">
+                    <a:srgbClr val="808080"/>
+                  </a:outerShdw>
+                </a:effectLst>
+              </a14:hiddenEffects>
+            </a:ext>
+          </a:extLst>
+        </p:spPr>
+      </p:pic>
     </p:spTree>
   </p:cSld>
   <p:clrMapOvr>
     <a:masterClrMapping/>
   </p:clrMapOvr>
+  <p:timing>
+    <p:tnLst>
+      <p:par>
+        <p:cTn id="1" dur="indefinite" restart="never" nodeType="tmRoot">
+          <p:childTnLst>
+            <p:seq concurrent="1" nextAc="seek">
+              <p:cTn id="2" dur="indefinite" nodeType="mainSeq">
+                <p:childTnLst>
+                  <p:par>
+                    <p:cTn id="3" fill="hold" nodeType="clickPar">
+                      <p:stCondLst>
+                        <p:cond delay="indefinite"/>
+                      </p:stCondLst>
+                      <p:childTnLst>
+                        <p:par>
+                          <p:cTn id="4" fill="hold" nodeType="withGroup">
+                            <p:stCondLst>
+                              <p:cond delay="0"/>
+                            </p:stCondLst>
+                            <p:childTnLst>
+                              <p:par>
+                                <p:cTn id="5" presetID="10" presetClass="entr" presetSubtype="0" fill="hold" nodeType="clickEffect">
+                                  <p:stCondLst>
+                                    <p:cond delay="0"/>
+                                  </p:stCondLst>
+                                  <p:childTnLst>
+                                    <p:set>
+                                      <p:cBhvr>
+                                        <p:cTn id="6" dur="1" fill="hold">
+                                          <p:stCondLst>
+                                            <p:cond delay="0"/>
+                                          </p:stCondLst>
+                                        </p:cTn>
+                                        <p:tgtEl>
+                                          <p:spTgt spid="1175555"/>
+                                        </p:tgtEl>
+                                        <p:attrNameLst>
+                                          <p:attrName>style.visibility</p:attrName>
+                                        </p:attrNameLst>
+                                      </p:cBhvr>
+                                      <p:to>
+                                        <p:strVal val="visible"/>
+                                      </p:to>
+                                    </p:set>
+                                    <p:animEffect transition="in" filter="fade">
+                                      <p:cBhvr>
+                                        <p:cTn id="7" dur="500"/>
+                                        <p:tgtEl>
+                                          <p:spTgt spid="1175555"/>
+                                        </p:tgtEl>
+                                      </p:cBhvr>
+                                    </p:animEffect>
+                                  </p:childTnLst>
+                                </p:cTn>
+                              </p:par>
+                            </p:childTnLst>
+                          </p:cTn>
+                        </p:par>
+                      </p:childTnLst>
+                    </p:cTn>
+                  </p:par>
+                </p:childTnLst>
+              </p:cTn>
+              <p:prevCondLst>
+                <p:cond evt="onPrev" delay="0">
+                  <p:tgtEl>
+                    <p:sldTgt/>
+                  </p:tgtEl>
+                </p:cond>
+              </p:prevCondLst>
+              <p:nextCondLst>
+                <p:cond evt="onNext" delay="0">
+                  <p:tgtEl>
+                    <p:sldTgt/>
+                  </p:tgtEl>
+                </p:cond>
+              </p:nextCondLst>
+            </p:seq>
+          </p:childTnLst>
+        </p:cTn>
+      </p:par>
+    </p:tnLst>
+  </p:timing>
 </p:sld>
 </file>
 
